--- a/2、正式课/1、第一周/4、第四天/面向对象新.pptx
+++ b/2、正式课/1、第一周/4、第四天/面向对象新.pptx
@@ -290,7 +290,7 @@
             <a:fld id="{530820CF-B880-4189-942D-D702A7CBA730}" type="datetimeFigureOut">
               <a:rPr lang="zh-CN" altLang="en-US" smtClean="0"/>
               <a:pPr/>
-              <a:t>2020/1/3</a:t>
+              <a:t>2020/1/4</a:t>
             </a:fld>
             <a:endParaRPr lang="zh-CN" altLang="en-US"/>
           </a:p>
@@ -457,7 +457,7 @@
             <a:fld id="{530820CF-B880-4189-942D-D702A7CBA730}" type="datetimeFigureOut">
               <a:rPr lang="zh-CN" altLang="en-US" smtClean="0"/>
               <a:pPr/>
-              <a:t>2020/1/3</a:t>
+              <a:t>2020/1/4</a:t>
             </a:fld>
             <a:endParaRPr lang="zh-CN" altLang="en-US"/>
           </a:p>
@@ -634,7 +634,7 @@
             <a:fld id="{530820CF-B880-4189-942D-D702A7CBA730}" type="datetimeFigureOut">
               <a:rPr lang="zh-CN" altLang="en-US" smtClean="0"/>
               <a:pPr/>
-              <a:t>2020/1/3</a:t>
+              <a:t>2020/1/4</a:t>
             </a:fld>
             <a:endParaRPr lang="zh-CN" altLang="en-US"/>
           </a:p>
@@ -801,7 +801,7 @@
             <a:fld id="{530820CF-B880-4189-942D-D702A7CBA730}" type="datetimeFigureOut">
               <a:rPr lang="zh-CN" altLang="en-US" smtClean="0"/>
               <a:pPr/>
-              <a:t>2020/1/3</a:t>
+              <a:t>2020/1/4</a:t>
             </a:fld>
             <a:endParaRPr lang="zh-CN" altLang="en-US"/>
           </a:p>
@@ -1044,7 +1044,7 @@
             <a:fld id="{530820CF-B880-4189-942D-D702A7CBA730}" type="datetimeFigureOut">
               <a:rPr lang="zh-CN" altLang="en-US" smtClean="0"/>
               <a:pPr/>
-              <a:t>2020/1/3</a:t>
+              <a:t>2020/1/4</a:t>
             </a:fld>
             <a:endParaRPr lang="zh-CN" altLang="en-US"/>
           </a:p>
@@ -1329,7 +1329,7 @@
             <a:fld id="{530820CF-B880-4189-942D-D702A7CBA730}" type="datetimeFigureOut">
               <a:rPr lang="zh-CN" altLang="en-US" smtClean="0"/>
               <a:pPr/>
-              <a:t>2020/1/3</a:t>
+              <a:t>2020/1/4</a:t>
             </a:fld>
             <a:endParaRPr lang="zh-CN" altLang="en-US"/>
           </a:p>
@@ -1748,7 +1748,7 @@
             <a:fld id="{530820CF-B880-4189-942D-D702A7CBA730}" type="datetimeFigureOut">
               <a:rPr lang="zh-CN" altLang="en-US" smtClean="0"/>
               <a:pPr/>
-              <a:t>2020/1/3</a:t>
+              <a:t>2020/1/4</a:t>
             </a:fld>
             <a:endParaRPr lang="zh-CN" altLang="en-US"/>
           </a:p>
@@ -1863,7 +1863,7 @@
             <a:fld id="{530820CF-B880-4189-942D-D702A7CBA730}" type="datetimeFigureOut">
               <a:rPr lang="zh-CN" altLang="en-US" smtClean="0"/>
               <a:pPr/>
-              <a:t>2020/1/3</a:t>
+              <a:t>2020/1/4</a:t>
             </a:fld>
             <a:endParaRPr lang="zh-CN" altLang="en-US"/>
           </a:p>
@@ -1955,7 +1955,7 @@
             <a:fld id="{530820CF-B880-4189-942D-D702A7CBA730}" type="datetimeFigureOut">
               <a:rPr lang="zh-CN" altLang="en-US" smtClean="0"/>
               <a:pPr/>
-              <a:t>2020/1/3</a:t>
+              <a:t>2020/1/4</a:t>
             </a:fld>
             <a:endParaRPr lang="zh-CN" altLang="en-US"/>
           </a:p>
@@ -2229,7 +2229,7 @@
             <a:fld id="{530820CF-B880-4189-942D-D702A7CBA730}" type="datetimeFigureOut">
               <a:rPr lang="zh-CN" altLang="en-US" smtClean="0"/>
               <a:pPr/>
-              <a:t>2020/1/3</a:t>
+              <a:t>2020/1/4</a:t>
             </a:fld>
             <a:endParaRPr lang="zh-CN" altLang="en-US"/>
           </a:p>
@@ -2479,7 +2479,7 @@
             <a:fld id="{530820CF-B880-4189-942D-D702A7CBA730}" type="datetimeFigureOut">
               <a:rPr lang="zh-CN" altLang="en-US" smtClean="0"/>
               <a:pPr/>
-              <a:t>2020/1/3</a:t>
+              <a:t>2020/1/4</a:t>
             </a:fld>
             <a:endParaRPr lang="zh-CN" altLang="en-US"/>
           </a:p>
@@ -2689,7 +2689,7 @@
             <a:fld id="{530820CF-B880-4189-942D-D702A7CBA730}" type="datetimeFigureOut">
               <a:rPr lang="zh-CN" altLang="en-US" smtClean="0"/>
               <a:pPr/>
-              <a:t>2020/1/3</a:t>
+              <a:t>2020/1/4</a:t>
             </a:fld>
             <a:endParaRPr lang="zh-CN" altLang="en-US"/>
           </a:p>
@@ -3672,11 +3672,7 @@
           <a:p>
             <a:r>
               <a:rPr lang="zh-CN" altLang="en-US" dirty="0" smtClean="0"/>
-              <a:t>哺</a:t>
-            </a:r>
-            <a:r>
-              <a:rPr lang="zh-CN" altLang="en-US" dirty="0" smtClean="0"/>
-              <a:t>乳动物类</a:t>
+              <a:t>哺乳动物类</a:t>
             </a:r>
             <a:endParaRPr lang="zh-CN" altLang="en-US" dirty="0"/>
           </a:p>
@@ -4313,15 +4309,7 @@
                   <a:srgbClr val="FF0000"/>
                 </a:solidFill>
               </a:rPr>
-              <a:t>刘阳</a:t>
-            </a:r>
-            <a:r>
-              <a:rPr lang="zh-CN" altLang="en-US" sz="1200" b="1" dirty="0" smtClean="0">
-                <a:solidFill>
-                  <a:srgbClr val="FF0000"/>
-                </a:solidFill>
-              </a:rPr>
-              <a:t>就是男人类的一个实例</a:t>
+              <a:t>刘阳就是男人类的一个实例</a:t>
             </a:r>
             <a:endParaRPr lang="zh-CN" altLang="en-US" sz="1200" b="1" dirty="0">
               <a:solidFill>
@@ -4574,11 +4562,7 @@
           <a:p>
             <a:r>
               <a:rPr lang="zh-CN" altLang="en-US" dirty="0" smtClean="0"/>
-              <a:t>基</a:t>
-            </a:r>
-            <a:r>
-              <a:rPr lang="zh-CN" altLang="en-US" dirty="0" smtClean="0"/>
-              <a:t>本类型</a:t>
+              <a:t>基本类型</a:t>
             </a:r>
             <a:endParaRPr lang="zh-CN" altLang="en-US" dirty="0"/>
           </a:p>
@@ -4773,11 +4757,7 @@
           <a:p>
             <a:r>
               <a:rPr lang="en-US" altLang="zh-CN" dirty="0" smtClean="0"/>
-              <a:t>N</a:t>
-            </a:r>
-            <a:r>
-              <a:rPr lang="en-US" altLang="zh-CN" dirty="0" smtClean="0"/>
-              <a:t>umber</a:t>
+              <a:t>Number</a:t>
             </a:r>
             <a:r>
               <a:rPr lang="zh-CN" altLang="en-US" dirty="0" smtClean="0"/>
